--- a/Supervised Machine Learning  Capstone Project.pptx
+++ b/Supervised Machine Learning  Capstone Project.pptx
@@ -17,9 +17,8 @@
     <p:sldId id="269" r:id="rId11"/>
     <p:sldId id="267" r:id="rId12"/>
     <p:sldId id="264" r:id="rId13"/>
-    <p:sldId id="271" r:id="rId14"/>
-    <p:sldId id="265" r:id="rId15"/>
-    <p:sldId id="266" r:id="rId16"/>
+    <p:sldId id="265" r:id="rId14"/>
+    <p:sldId id="266" r:id="rId15"/>
   </p:sldIdLst>
   <p:sldSz cx="12192000" cy="6858000"/>
   <p:notesSz cx="6858000" cy="9144000"/>
@@ -7055,2032 +7054,40 @@
           <a:p>
             <a:r>
               <a:rPr lang="en-US" dirty="0" smtClean="0"/>
-              <a:t>Model Evaluation – Unbalanced Data</a:t>
-            </a:r>
-            <a:endParaRPr lang="en-US" dirty="0"/>
-          </a:p>
-        </p:txBody>
-      </p:sp>
-      <p:graphicFrame>
-        <p:nvGraphicFramePr>
-          <p:cNvPr id="3" name="Table 2"/>
-          <p:cNvGraphicFramePr>
-            <a:graphicFrameLocks noGrp="1"/>
-          </p:cNvGraphicFramePr>
-          <p:nvPr>
-            <p:extLst>
-              <p:ext uri="{D42A27DB-BD31-4B8C-83A1-F6EECF244321}">
-                <p14:modId xmlns:p14="http://schemas.microsoft.com/office/powerpoint/2010/main" val="2602375537"/>
-              </p:ext>
-            </p:extLst>
-          </p:nvPr>
-        </p:nvGraphicFramePr>
-        <p:xfrm>
-          <a:off x="1834547" y="1932315"/>
-          <a:ext cx="9857120" cy="4244196"/>
-        </p:xfrm>
-        <a:graphic>
-          <a:graphicData uri="http://schemas.openxmlformats.org/drawingml/2006/table">
-            <a:tbl>
-              <a:tblPr>
-                <a:tableStyleId>{5C22544A-7EE6-4342-B048-85BDC9FD1C3A}</a:tableStyleId>
-              </a:tblPr>
-              <a:tblGrid>
-                <a:gridCol w="1748291"/>
-                <a:gridCol w="1178943"/>
-                <a:gridCol w="1230702"/>
-                <a:gridCol w="1098430"/>
-                <a:gridCol w="1046672"/>
-                <a:gridCol w="1075426"/>
-                <a:gridCol w="1138687"/>
-                <a:gridCol w="1339969"/>
-              </a:tblGrid>
-              <a:tr h="385836">
-                <a:tc>
-                  <a:txBody>
-                    <a:bodyPr/>
-                    <a:lstStyle/>
-                    <a:p>
-                      <a:pPr algn="l" fontAlgn="b"/>
-                      <a:r>
-                        <a:rPr lang="en-US" sz="1400" b="1" u="none" strike="noStrike" dirty="0">
-                          <a:effectLst/>
-                          <a:latin typeface="+mn-lt"/>
-                        </a:rPr>
-                        <a:t>MODEL/METRIC</a:t>
-                      </a:r>
-                      <a:endParaRPr lang="en-US" sz="1400" b="1" i="0" u="none" strike="noStrike" dirty="0">
-                        <a:solidFill>
-                          <a:srgbClr val="000000"/>
-                        </a:solidFill>
-                        <a:effectLst/>
-                        <a:latin typeface="+mn-lt"/>
-                      </a:endParaRPr>
-                    </a:p>
-                  </a:txBody>
-                  <a:tcPr marL="4763" marR="4763" marT="4763" marB="0" anchor="b">
-                    <a:solidFill>
-                      <a:schemeClr val="accent1">
-                        <a:lumMod val="60000"/>
-                        <a:lumOff val="40000"/>
-                      </a:schemeClr>
-                    </a:solidFill>
-                  </a:tcPr>
-                </a:tc>
-                <a:tc>
-                  <a:txBody>
-                    <a:bodyPr/>
-                    <a:lstStyle/>
-                    <a:p>
-                      <a:pPr algn="ctr" fontAlgn="b"/>
-                      <a:r>
-                        <a:rPr lang="en-US" sz="1400" b="1" u="none" strike="noStrike" dirty="0">
-                          <a:effectLst/>
-                          <a:latin typeface="+mn-lt"/>
-                        </a:rPr>
-                        <a:t>Accuracy </a:t>
-                      </a:r>
-                      <a:endParaRPr lang="en-US" sz="1400" b="1" i="0" u="none" strike="noStrike" dirty="0">
-                        <a:solidFill>
-                          <a:srgbClr val="000000"/>
-                        </a:solidFill>
-                        <a:effectLst/>
-                        <a:latin typeface="+mn-lt"/>
-                      </a:endParaRPr>
-                    </a:p>
-                  </a:txBody>
-                  <a:tcPr marL="4763" marR="4763" marT="4763" marB="0" anchor="b">
-                    <a:solidFill>
-                      <a:schemeClr val="accent1">
-                        <a:lumMod val="60000"/>
-                        <a:lumOff val="40000"/>
-                      </a:schemeClr>
-                    </a:solidFill>
-                  </a:tcPr>
-                </a:tc>
-                <a:tc>
-                  <a:txBody>
-                    <a:bodyPr/>
-                    <a:lstStyle/>
-                    <a:p>
-                      <a:pPr algn="ctr" fontAlgn="b"/>
-                      <a:r>
-                        <a:rPr lang="en-US" sz="1400" b="1" u="none" strike="noStrike" dirty="0">
-                          <a:effectLst/>
-                          <a:latin typeface="+mn-lt"/>
-                        </a:rPr>
-                        <a:t>Sensitivity </a:t>
-                      </a:r>
-                      <a:endParaRPr lang="en-US" sz="1400" b="1" i="0" u="none" strike="noStrike" dirty="0">
-                        <a:solidFill>
-                          <a:srgbClr val="000000"/>
-                        </a:solidFill>
-                        <a:effectLst/>
-                        <a:latin typeface="+mn-lt"/>
-                      </a:endParaRPr>
-                    </a:p>
-                  </a:txBody>
-                  <a:tcPr marL="4763" marR="4763" marT="4763" marB="0" anchor="b">
-                    <a:solidFill>
-                      <a:schemeClr val="accent1">
-                        <a:lumMod val="60000"/>
-                        <a:lumOff val="40000"/>
-                      </a:schemeClr>
-                    </a:solidFill>
-                  </a:tcPr>
-                </a:tc>
-                <a:tc>
-                  <a:txBody>
-                    <a:bodyPr/>
-                    <a:lstStyle/>
-                    <a:p>
-                      <a:pPr algn="ctr" fontAlgn="b"/>
-                      <a:r>
-                        <a:rPr lang="en-US" sz="1400" b="1" u="none" strike="noStrike" dirty="0">
-                          <a:effectLst/>
-                          <a:latin typeface="+mn-lt"/>
-                        </a:rPr>
-                        <a:t>Specificity </a:t>
-                      </a:r>
-                      <a:endParaRPr lang="en-US" sz="1400" b="1" i="0" u="none" strike="noStrike" dirty="0">
-                        <a:solidFill>
-                          <a:srgbClr val="000000"/>
-                        </a:solidFill>
-                        <a:effectLst/>
-                        <a:latin typeface="+mn-lt"/>
-                      </a:endParaRPr>
-                    </a:p>
-                  </a:txBody>
-                  <a:tcPr marL="4763" marR="4763" marT="4763" marB="0" anchor="b">
-                    <a:solidFill>
-                      <a:schemeClr val="accent1">
-                        <a:lumMod val="60000"/>
-                        <a:lumOff val="40000"/>
-                      </a:schemeClr>
-                    </a:solidFill>
-                  </a:tcPr>
-                </a:tc>
-                <a:tc>
-                  <a:txBody>
-                    <a:bodyPr/>
-                    <a:lstStyle/>
-                    <a:p>
-                      <a:pPr algn="ctr" fontAlgn="b"/>
-                      <a:r>
-                        <a:rPr lang="en-US" sz="1400" b="1" u="none" strike="noStrike" dirty="0">
-                          <a:effectLst/>
-                          <a:latin typeface="+mn-lt"/>
-                        </a:rPr>
-                        <a:t>FP Rate</a:t>
-                      </a:r>
-                      <a:endParaRPr lang="en-US" sz="1400" b="1" i="0" u="none" strike="noStrike" dirty="0">
-                        <a:solidFill>
-                          <a:srgbClr val="000000"/>
-                        </a:solidFill>
-                        <a:effectLst/>
-                        <a:latin typeface="+mn-lt"/>
-                      </a:endParaRPr>
-                    </a:p>
-                  </a:txBody>
-                  <a:tcPr marL="4763" marR="4763" marT="4763" marB="0" anchor="b">
-                    <a:solidFill>
-                      <a:schemeClr val="accent1">
-                        <a:lumMod val="60000"/>
-                        <a:lumOff val="40000"/>
-                      </a:schemeClr>
-                    </a:solidFill>
-                  </a:tcPr>
-                </a:tc>
-                <a:tc>
-                  <a:txBody>
-                    <a:bodyPr/>
-                    <a:lstStyle/>
-                    <a:p>
-                      <a:pPr algn="ctr" fontAlgn="b"/>
-                      <a:r>
-                        <a:rPr lang="en-US" sz="1400" b="1" u="none" strike="noStrike" dirty="0">
-                          <a:effectLst/>
-                          <a:latin typeface="+mn-lt"/>
-                        </a:rPr>
-                        <a:t>Precision </a:t>
-                      </a:r>
-                      <a:endParaRPr lang="en-US" sz="1400" b="1" i="0" u="none" strike="noStrike" dirty="0">
-                        <a:solidFill>
-                          <a:srgbClr val="000000"/>
-                        </a:solidFill>
-                        <a:effectLst/>
-                        <a:latin typeface="+mn-lt"/>
-                      </a:endParaRPr>
-                    </a:p>
-                  </a:txBody>
-                  <a:tcPr marL="4763" marR="4763" marT="4763" marB="0" anchor="b">
-                    <a:solidFill>
-                      <a:schemeClr val="accent1">
-                        <a:lumMod val="60000"/>
-                        <a:lumOff val="40000"/>
-                      </a:schemeClr>
-                    </a:solidFill>
-                  </a:tcPr>
-                </a:tc>
-                <a:tc>
-                  <a:txBody>
-                    <a:bodyPr/>
-                    <a:lstStyle/>
-                    <a:p>
-                      <a:pPr algn="ctr" fontAlgn="b"/>
-                      <a:r>
-                        <a:rPr lang="en-US" sz="1400" b="1" u="none" strike="noStrike" dirty="0">
-                          <a:effectLst/>
-                          <a:latin typeface="+mn-lt"/>
-                        </a:rPr>
-                        <a:t>F-Score</a:t>
-                      </a:r>
-                      <a:endParaRPr lang="en-US" sz="1400" b="1" i="0" u="none" strike="noStrike" dirty="0">
-                        <a:solidFill>
-                          <a:srgbClr val="000000"/>
-                        </a:solidFill>
-                        <a:effectLst/>
-                        <a:latin typeface="+mn-lt"/>
-                      </a:endParaRPr>
-                    </a:p>
-                  </a:txBody>
-                  <a:tcPr marL="4763" marR="4763" marT="4763" marB="0" anchor="b">
-                    <a:solidFill>
-                      <a:schemeClr val="accent1">
-                        <a:lumMod val="60000"/>
-                        <a:lumOff val="40000"/>
-                      </a:schemeClr>
-                    </a:solidFill>
-                  </a:tcPr>
-                </a:tc>
-                <a:tc>
-                  <a:txBody>
-                    <a:bodyPr/>
-                    <a:lstStyle/>
-                    <a:p>
-                      <a:pPr algn="ctr" fontAlgn="b"/>
-                      <a:r>
-                        <a:rPr lang="en-US" sz="1400" b="1" i="0" u="none" strike="noStrike" dirty="0" smtClean="0">
-                          <a:solidFill>
-                            <a:srgbClr val="000000"/>
-                          </a:solidFill>
-                          <a:effectLst/>
-                          <a:latin typeface="+mn-lt"/>
-                        </a:rPr>
-                        <a:t>Time Taken</a:t>
-                      </a:r>
-                      <a:endParaRPr lang="en-US" sz="1400" b="1" i="0" u="none" strike="noStrike" dirty="0">
-                        <a:solidFill>
-                          <a:srgbClr val="000000"/>
-                        </a:solidFill>
-                        <a:effectLst/>
-                        <a:latin typeface="+mn-lt"/>
-                      </a:endParaRPr>
-                    </a:p>
-                  </a:txBody>
-                  <a:tcPr marL="4763" marR="4763" marT="4763" marB="0" anchor="b">
-                    <a:solidFill>
-                      <a:schemeClr val="accent1">
-                        <a:lumMod val="60000"/>
-                        <a:lumOff val="40000"/>
-                      </a:schemeClr>
-                    </a:solidFill>
-                  </a:tcPr>
-                </a:tc>
-              </a:tr>
-              <a:tr h="385836">
-                <a:tc>
-                  <a:txBody>
-                    <a:bodyPr/>
-                    <a:lstStyle/>
-                    <a:p>
-                      <a:pPr algn="l" fontAlgn="b"/>
-                      <a:r>
-                        <a:rPr lang="en-US" sz="1400" b="1" i="0" u="none" strike="noStrike" dirty="0">
-                          <a:solidFill>
-                            <a:srgbClr val="000000"/>
-                          </a:solidFill>
-                          <a:effectLst/>
-                          <a:latin typeface="+mn-lt"/>
-                        </a:rPr>
-                        <a:t>Gradient Boosting</a:t>
-                      </a:r>
-                    </a:p>
-                  </a:txBody>
-                  <a:tcPr marL="4763" marR="4763" marT="4763" marB="0" anchor="b"/>
-                </a:tc>
-                <a:tc>
-                  <a:txBody>
-                    <a:bodyPr/>
-                    <a:lstStyle/>
-                    <a:p>
-                      <a:pPr algn="ctr" fontAlgn="ctr"/>
-                      <a:r>
-                        <a:rPr lang="en-US" sz="1400" b="0" i="0" u="none" strike="noStrike" dirty="0">
-                          <a:solidFill>
-                            <a:srgbClr val="000000"/>
-                          </a:solidFill>
-                          <a:effectLst/>
-                          <a:latin typeface="+mn-lt"/>
-                        </a:rPr>
-                        <a:t>94.12%</a:t>
-                      </a:r>
-                    </a:p>
-                  </a:txBody>
-                  <a:tcPr marL="4763" marR="4763" marT="4763" marB="0" anchor="ctr">
-                    <a:solidFill>
-                      <a:schemeClr val="accent2">
-                        <a:lumMod val="40000"/>
-                        <a:lumOff val="60000"/>
-                      </a:schemeClr>
-                    </a:solidFill>
-                  </a:tcPr>
-                </a:tc>
-                <a:tc>
-                  <a:txBody>
-                    <a:bodyPr/>
-                    <a:lstStyle/>
-                    <a:p>
-                      <a:pPr algn="ctr" fontAlgn="ctr"/>
-                      <a:r>
-                        <a:rPr lang="en-US" sz="1400" b="0" i="0" u="none" strike="noStrike" dirty="0">
-                          <a:solidFill>
-                            <a:srgbClr val="000000"/>
-                          </a:solidFill>
-                          <a:effectLst/>
-                          <a:latin typeface="+mn-lt"/>
-                        </a:rPr>
-                        <a:t>39.43%</a:t>
-                      </a:r>
-                    </a:p>
-                  </a:txBody>
-                  <a:tcPr marL="4763" marR="4763" marT="4763" marB="0" anchor="ctr"/>
-                </a:tc>
-                <a:tc>
-                  <a:txBody>
-                    <a:bodyPr/>
-                    <a:lstStyle/>
-                    <a:p>
-                      <a:pPr algn="ctr" fontAlgn="ctr"/>
-                      <a:r>
-                        <a:rPr lang="en-US" sz="1400" b="0" i="0" u="none" strike="noStrike" dirty="0">
-                          <a:solidFill>
-                            <a:srgbClr val="000000"/>
-                          </a:solidFill>
-                          <a:effectLst/>
-                          <a:latin typeface="+mn-lt"/>
-                        </a:rPr>
-                        <a:t>98.81%</a:t>
-                      </a:r>
-                    </a:p>
-                  </a:txBody>
-                  <a:tcPr marL="4763" marR="4763" marT="4763" marB="0" anchor="ctr"/>
-                </a:tc>
-                <a:tc>
-                  <a:txBody>
-                    <a:bodyPr/>
-                    <a:lstStyle/>
-                    <a:p>
-                      <a:pPr algn="ctr" fontAlgn="ctr"/>
-                      <a:r>
-                        <a:rPr lang="en-US" sz="1400" b="0" i="0" u="none" strike="noStrike" dirty="0">
-                          <a:solidFill>
-                            <a:srgbClr val="000000"/>
-                          </a:solidFill>
-                          <a:effectLst/>
-                          <a:latin typeface="+mn-lt"/>
-                        </a:rPr>
-                        <a:t>1.19%</a:t>
-                      </a:r>
-                    </a:p>
-                  </a:txBody>
-                  <a:tcPr marL="4763" marR="4763" marT="4763" marB="0" anchor="ctr"/>
-                </a:tc>
-                <a:tc>
-                  <a:txBody>
-                    <a:bodyPr/>
-                    <a:lstStyle/>
-                    <a:p>
-                      <a:pPr algn="ctr" fontAlgn="ctr"/>
-                      <a:r>
-                        <a:rPr lang="en-US" sz="1400" b="0" i="0" u="none" strike="noStrike" dirty="0">
-                          <a:solidFill>
-                            <a:srgbClr val="000000"/>
-                          </a:solidFill>
-                          <a:effectLst/>
-                          <a:latin typeface="+mn-lt"/>
-                        </a:rPr>
-                        <a:t>74.03%</a:t>
-                      </a:r>
-                    </a:p>
-                  </a:txBody>
-                  <a:tcPr marL="4763" marR="4763" marT="4763" marB="0" anchor="ctr"/>
-                </a:tc>
-                <a:tc>
-                  <a:txBody>
-                    <a:bodyPr/>
-                    <a:lstStyle/>
-                    <a:p>
-                      <a:pPr algn="ctr" fontAlgn="ctr"/>
-                      <a:r>
-                        <a:rPr lang="en-US" sz="1400" b="0" i="0" u="none" strike="noStrike" dirty="0">
-                          <a:solidFill>
-                            <a:srgbClr val="000000"/>
-                          </a:solidFill>
-                          <a:effectLst/>
-                          <a:latin typeface="+mn-lt"/>
-                        </a:rPr>
-                        <a:t>51.45%</a:t>
-                      </a:r>
-                    </a:p>
-                  </a:txBody>
-                  <a:tcPr marL="4763" marR="4763" marT="4763" marB="0" anchor="ctr">
-                    <a:solidFill>
-                      <a:schemeClr val="accent2">
-                        <a:lumMod val="40000"/>
-                        <a:lumOff val="60000"/>
-                      </a:schemeClr>
-                    </a:solidFill>
-                  </a:tcPr>
-                </a:tc>
-                <a:tc>
-                  <a:txBody>
-                    <a:bodyPr/>
-                    <a:lstStyle/>
-                    <a:p>
-                      <a:pPr algn="ctr" fontAlgn="ctr"/>
-                      <a:r>
-                        <a:rPr lang="en-US" sz="1400" b="0" i="0" u="none" strike="noStrike" dirty="0">
-                          <a:solidFill>
-                            <a:srgbClr val="000000"/>
-                          </a:solidFill>
-                          <a:effectLst/>
-                          <a:latin typeface="+mn-lt"/>
-                        </a:rPr>
-                        <a:t>1m:44s</a:t>
-                      </a:r>
-                    </a:p>
-                  </a:txBody>
-                  <a:tcPr marL="4763" marR="4763" marT="4763" marB="0" anchor="ctr">
-                    <a:solidFill>
-                      <a:schemeClr val="bg1">
-                        <a:lumMod val="95000"/>
-                      </a:schemeClr>
-                    </a:solidFill>
-                  </a:tcPr>
-                </a:tc>
-              </a:tr>
-              <a:tr h="385836">
-                <a:tc>
-                  <a:txBody>
-                    <a:bodyPr/>
-                    <a:lstStyle/>
-                    <a:p>
-                      <a:pPr algn="l" fontAlgn="b"/>
-                      <a:r>
-                        <a:rPr lang="en-US" sz="1400" b="1" i="0" u="none" strike="noStrike" dirty="0">
-                          <a:solidFill>
-                            <a:srgbClr val="000000"/>
-                          </a:solidFill>
-                          <a:effectLst/>
-                          <a:latin typeface="+mn-lt"/>
-                        </a:rPr>
-                        <a:t>Logistic Regression</a:t>
-                      </a:r>
-                    </a:p>
-                  </a:txBody>
-                  <a:tcPr marL="4763" marR="4763" marT="4763" marB="0" anchor="b"/>
-                </a:tc>
-                <a:tc>
-                  <a:txBody>
-                    <a:bodyPr/>
-                    <a:lstStyle/>
-                    <a:p>
-                      <a:pPr algn="ctr" fontAlgn="ctr"/>
-                      <a:r>
-                        <a:rPr lang="en-US" sz="1400" b="0" i="0" u="none" strike="noStrike" dirty="0">
-                          <a:solidFill>
-                            <a:srgbClr val="000000"/>
-                          </a:solidFill>
-                          <a:effectLst/>
-                          <a:latin typeface="+mn-lt"/>
-                        </a:rPr>
-                        <a:t>93.72%</a:t>
-                      </a:r>
-                    </a:p>
-                  </a:txBody>
-                  <a:tcPr marL="4763" marR="4763" marT="4763" marB="0" anchor="ctr"/>
-                </a:tc>
-                <a:tc>
-                  <a:txBody>
-                    <a:bodyPr/>
-                    <a:lstStyle/>
-                    <a:p>
-                      <a:pPr algn="ctr" fontAlgn="ctr"/>
-                      <a:r>
-                        <a:rPr lang="en-US" sz="1400" b="0" i="0" u="none" strike="noStrike" dirty="0">
-                          <a:solidFill>
-                            <a:srgbClr val="000000"/>
-                          </a:solidFill>
-                          <a:effectLst/>
-                          <a:latin typeface="+mn-lt"/>
-                        </a:rPr>
-                        <a:t>35.75%</a:t>
-                      </a:r>
-                    </a:p>
-                  </a:txBody>
-                  <a:tcPr marL="4763" marR="4763" marT="4763" marB="0" anchor="ctr"/>
-                </a:tc>
-                <a:tc>
-                  <a:txBody>
-                    <a:bodyPr/>
-                    <a:lstStyle/>
-                    <a:p>
-                      <a:pPr algn="ctr" fontAlgn="ctr"/>
-                      <a:r>
-                        <a:rPr lang="en-US" sz="1400" b="0" i="0" u="none" strike="noStrike" dirty="0">
-                          <a:solidFill>
-                            <a:srgbClr val="000000"/>
-                          </a:solidFill>
-                          <a:effectLst/>
-                          <a:latin typeface="+mn-lt"/>
-                        </a:rPr>
-                        <a:t>98.70%</a:t>
-                      </a:r>
-                    </a:p>
-                  </a:txBody>
-                  <a:tcPr marL="4763" marR="4763" marT="4763" marB="0" anchor="ctr"/>
-                </a:tc>
-                <a:tc>
-                  <a:txBody>
-                    <a:bodyPr/>
-                    <a:lstStyle/>
-                    <a:p>
-                      <a:pPr algn="ctr" fontAlgn="ctr"/>
-                      <a:r>
-                        <a:rPr lang="en-US" sz="1400" b="0" i="0" u="none" strike="noStrike" dirty="0">
-                          <a:solidFill>
-                            <a:srgbClr val="000000"/>
-                          </a:solidFill>
-                          <a:effectLst/>
-                          <a:latin typeface="+mn-lt"/>
-                        </a:rPr>
-                        <a:t>1.30%</a:t>
-                      </a:r>
-                    </a:p>
-                  </a:txBody>
-                  <a:tcPr marL="4763" marR="4763" marT="4763" marB="0" anchor="ctr"/>
-                </a:tc>
-                <a:tc>
-                  <a:txBody>
-                    <a:bodyPr/>
-                    <a:lstStyle/>
-                    <a:p>
-                      <a:pPr algn="ctr" fontAlgn="ctr"/>
-                      <a:r>
-                        <a:rPr lang="en-US" sz="1400" b="0" i="0" u="none" strike="noStrike" dirty="0">
-                          <a:solidFill>
-                            <a:srgbClr val="000000"/>
-                          </a:solidFill>
-                          <a:effectLst/>
-                          <a:latin typeface="+mn-lt"/>
-                        </a:rPr>
-                        <a:t>70.20%</a:t>
-                      </a:r>
-                    </a:p>
-                  </a:txBody>
-                  <a:tcPr marL="4763" marR="4763" marT="4763" marB="0" anchor="ctr"/>
-                </a:tc>
-                <a:tc>
-                  <a:txBody>
-                    <a:bodyPr/>
-                    <a:lstStyle/>
-                    <a:p>
-                      <a:pPr algn="ctr" fontAlgn="ctr"/>
-                      <a:r>
-                        <a:rPr lang="en-US" sz="1400" b="0" i="0" u="none" strike="noStrike" dirty="0">
-                          <a:solidFill>
-                            <a:srgbClr val="000000"/>
-                          </a:solidFill>
-                          <a:effectLst/>
-                          <a:latin typeface="+mn-lt"/>
-                        </a:rPr>
-                        <a:t>47.37%</a:t>
-                      </a:r>
-                    </a:p>
-                  </a:txBody>
-                  <a:tcPr marL="4763" marR="4763" marT="4763" marB="0" anchor="ctr"/>
-                </a:tc>
-                <a:tc>
-                  <a:txBody>
-                    <a:bodyPr/>
-                    <a:lstStyle/>
-                    <a:p>
-                      <a:pPr algn="ctr" fontAlgn="ctr"/>
-                      <a:r>
-                        <a:rPr lang="en-US" sz="1400" b="0" i="0" u="none" strike="noStrike" dirty="0">
-                          <a:solidFill>
-                            <a:srgbClr val="000000"/>
-                          </a:solidFill>
-                          <a:effectLst/>
-                          <a:latin typeface="+mn-lt"/>
-                        </a:rPr>
-                        <a:t>0m:06s</a:t>
-                      </a:r>
-                    </a:p>
-                  </a:txBody>
-                  <a:tcPr marL="4763" marR="4763" marT="4763" marB="0" anchor="ctr">
-                    <a:solidFill>
-                      <a:schemeClr val="bg1">
-                        <a:lumMod val="95000"/>
-                      </a:schemeClr>
-                    </a:solidFill>
-                  </a:tcPr>
-                </a:tc>
-              </a:tr>
-              <a:tr h="385836">
-                <a:tc>
-                  <a:txBody>
-                    <a:bodyPr/>
-                    <a:lstStyle/>
-                    <a:p>
-                      <a:pPr algn="l" fontAlgn="b"/>
-                      <a:r>
-                        <a:rPr lang="en-US" sz="1400" b="1" i="0" u="none" strike="noStrike" dirty="0">
-                          <a:solidFill>
-                            <a:srgbClr val="000000"/>
-                          </a:solidFill>
-                          <a:effectLst/>
-                          <a:latin typeface="+mn-lt"/>
-                        </a:rPr>
-                        <a:t>ADA Boost</a:t>
-                      </a:r>
-                    </a:p>
-                  </a:txBody>
-                  <a:tcPr marL="4763" marR="4763" marT="4763" marB="0" anchor="b"/>
-                </a:tc>
-                <a:tc>
-                  <a:txBody>
-                    <a:bodyPr/>
-                    <a:lstStyle/>
-                    <a:p>
-                      <a:pPr algn="ctr" fontAlgn="ctr"/>
-                      <a:r>
-                        <a:rPr lang="en-US" sz="1400" b="0" i="0" u="none" strike="noStrike" dirty="0">
-                          <a:solidFill>
-                            <a:srgbClr val="000000"/>
-                          </a:solidFill>
-                          <a:effectLst/>
-                          <a:latin typeface="+mn-lt"/>
-                        </a:rPr>
-                        <a:t>93.72%</a:t>
-                      </a:r>
-                    </a:p>
-                  </a:txBody>
-                  <a:tcPr marL="4763" marR="4763" marT="4763" marB="0" anchor="ctr"/>
-                </a:tc>
-                <a:tc>
-                  <a:txBody>
-                    <a:bodyPr/>
-                    <a:lstStyle/>
-                    <a:p>
-                      <a:pPr algn="ctr" fontAlgn="ctr"/>
-                      <a:r>
-                        <a:rPr lang="en-US" sz="1400" b="0" i="0" u="none" strike="noStrike" dirty="0">
-                          <a:solidFill>
-                            <a:srgbClr val="000000"/>
-                          </a:solidFill>
-                          <a:effectLst/>
-                          <a:latin typeface="+mn-lt"/>
-                        </a:rPr>
-                        <a:t>34.07%</a:t>
-                      </a:r>
-                    </a:p>
-                  </a:txBody>
-                  <a:tcPr marL="4763" marR="4763" marT="4763" marB="0" anchor="ctr"/>
-                </a:tc>
-                <a:tc>
-                  <a:txBody>
-                    <a:bodyPr/>
-                    <a:lstStyle/>
-                    <a:p>
-                      <a:pPr algn="ctr" fontAlgn="ctr"/>
-                      <a:r>
-                        <a:rPr lang="en-US" sz="1400" b="0" i="0" u="none" strike="noStrike" dirty="0">
-                          <a:solidFill>
-                            <a:srgbClr val="000000"/>
-                          </a:solidFill>
-                          <a:effectLst/>
-                          <a:latin typeface="+mn-lt"/>
-                        </a:rPr>
-                        <a:t>98.84%</a:t>
-                      </a:r>
-                    </a:p>
-                  </a:txBody>
-                  <a:tcPr marL="4763" marR="4763" marT="4763" marB="0" anchor="ctr">
-                    <a:solidFill>
-                      <a:schemeClr val="accent2">
-                        <a:lumMod val="40000"/>
-                        <a:lumOff val="60000"/>
-                      </a:schemeClr>
-                    </a:solidFill>
-                  </a:tcPr>
-                </a:tc>
-                <a:tc>
-                  <a:txBody>
-                    <a:bodyPr/>
-                    <a:lstStyle/>
-                    <a:p>
-                      <a:pPr algn="ctr" fontAlgn="ctr"/>
-                      <a:r>
-                        <a:rPr lang="en-US" sz="1400" b="0" i="0" u="none" strike="noStrike" dirty="0">
-                          <a:solidFill>
-                            <a:srgbClr val="000000"/>
-                          </a:solidFill>
-                          <a:effectLst/>
-                          <a:latin typeface="+mn-lt"/>
-                        </a:rPr>
-                        <a:t>1.16%</a:t>
-                      </a:r>
-                    </a:p>
-                  </a:txBody>
-                  <a:tcPr marL="4763" marR="4763" marT="4763" marB="0" anchor="ctr">
-                    <a:solidFill>
-                      <a:schemeClr val="accent2">
-                        <a:lumMod val="40000"/>
-                        <a:lumOff val="60000"/>
-                      </a:schemeClr>
-                    </a:solidFill>
-                  </a:tcPr>
-                </a:tc>
-                <a:tc>
-                  <a:txBody>
-                    <a:bodyPr/>
-                    <a:lstStyle/>
-                    <a:p>
-                      <a:pPr algn="ctr" fontAlgn="ctr"/>
-                      <a:r>
-                        <a:rPr lang="en-US" sz="1400" b="0" i="0" u="none" strike="noStrike" dirty="0">
-                          <a:solidFill>
-                            <a:srgbClr val="000000"/>
-                          </a:solidFill>
-                          <a:effectLst/>
-                          <a:latin typeface="+mn-lt"/>
-                        </a:rPr>
-                        <a:t>71.57%</a:t>
-                      </a:r>
-                    </a:p>
-                  </a:txBody>
-                  <a:tcPr marL="4763" marR="4763" marT="4763" marB="0" anchor="ctr"/>
-                </a:tc>
-                <a:tc>
-                  <a:txBody>
-                    <a:bodyPr/>
-                    <a:lstStyle/>
-                    <a:p>
-                      <a:pPr algn="ctr" fontAlgn="ctr"/>
-                      <a:r>
-                        <a:rPr lang="en-US" sz="1400" b="0" i="0" u="none" strike="noStrike" dirty="0">
-                          <a:solidFill>
-                            <a:srgbClr val="000000"/>
-                          </a:solidFill>
-                          <a:effectLst/>
-                          <a:latin typeface="+mn-lt"/>
-                        </a:rPr>
-                        <a:t>46.16%</a:t>
-                      </a:r>
-                    </a:p>
-                  </a:txBody>
-                  <a:tcPr marL="4763" marR="4763" marT="4763" marB="0" anchor="ctr"/>
-                </a:tc>
-                <a:tc>
-                  <a:txBody>
-                    <a:bodyPr/>
-                    <a:lstStyle/>
-                    <a:p>
-                      <a:pPr algn="ctr" fontAlgn="ctr"/>
-                      <a:r>
-                        <a:rPr lang="en-US" sz="1400" b="0" i="0" u="none" strike="noStrike" dirty="0">
-                          <a:solidFill>
-                            <a:srgbClr val="000000"/>
-                          </a:solidFill>
-                          <a:effectLst/>
-                          <a:latin typeface="+mn-lt"/>
-                        </a:rPr>
-                        <a:t>0m:25s</a:t>
-                      </a:r>
-                    </a:p>
-                  </a:txBody>
-                  <a:tcPr marL="4763" marR="4763" marT="4763" marB="0" anchor="ctr">
-                    <a:solidFill>
-                      <a:schemeClr val="bg1">
-                        <a:lumMod val="95000"/>
-                      </a:schemeClr>
-                    </a:solidFill>
-                  </a:tcPr>
-                </a:tc>
-              </a:tr>
-              <a:tr h="385836">
-                <a:tc>
-                  <a:txBody>
-                    <a:bodyPr/>
-                    <a:lstStyle/>
-                    <a:p>
-                      <a:pPr algn="l" fontAlgn="b"/>
-                      <a:r>
-                        <a:rPr lang="en-US" sz="1400" b="1" i="0" u="none" strike="noStrike" dirty="0">
-                          <a:solidFill>
-                            <a:srgbClr val="000000"/>
-                          </a:solidFill>
-                          <a:effectLst/>
-                          <a:latin typeface="+mn-lt"/>
-                        </a:rPr>
-                        <a:t>Bagging</a:t>
-                      </a:r>
-                    </a:p>
-                  </a:txBody>
-                  <a:tcPr marL="4763" marR="4763" marT="4763" marB="0" anchor="b"/>
-                </a:tc>
-                <a:tc>
-                  <a:txBody>
-                    <a:bodyPr/>
-                    <a:lstStyle/>
-                    <a:p>
-                      <a:pPr algn="ctr" fontAlgn="ctr"/>
-                      <a:r>
-                        <a:rPr lang="en-US" sz="1400" b="0" i="0" u="none" strike="noStrike" dirty="0">
-                          <a:solidFill>
-                            <a:srgbClr val="000000"/>
-                          </a:solidFill>
-                          <a:effectLst/>
-                          <a:latin typeface="+mn-lt"/>
-                        </a:rPr>
-                        <a:t>93.58%</a:t>
-                      </a:r>
-                    </a:p>
-                  </a:txBody>
-                  <a:tcPr marL="4763" marR="4763" marT="4763" marB="0" anchor="ctr"/>
-                </a:tc>
-                <a:tc>
-                  <a:txBody>
-                    <a:bodyPr/>
-                    <a:lstStyle/>
-                    <a:p>
-                      <a:pPr algn="ctr" fontAlgn="ctr"/>
-                      <a:r>
-                        <a:rPr lang="en-US" sz="1400" b="0" i="0" u="none" strike="noStrike" dirty="0">
-                          <a:solidFill>
-                            <a:srgbClr val="000000"/>
-                          </a:solidFill>
-                          <a:effectLst/>
-                          <a:latin typeface="+mn-lt"/>
-                        </a:rPr>
-                        <a:t>40.13%</a:t>
-                      </a:r>
-                    </a:p>
-                  </a:txBody>
-                  <a:tcPr marL="4763" marR="4763" marT="4763" marB="0" anchor="ctr"/>
-                </a:tc>
-                <a:tc>
-                  <a:txBody>
-                    <a:bodyPr/>
-                    <a:lstStyle/>
-                    <a:p>
-                      <a:pPr algn="ctr" fontAlgn="ctr"/>
-                      <a:r>
-                        <a:rPr lang="en-US" sz="1400" b="0" i="0" u="none" strike="noStrike" dirty="0">
-                          <a:solidFill>
-                            <a:srgbClr val="000000"/>
-                          </a:solidFill>
-                          <a:effectLst/>
-                          <a:latin typeface="+mn-lt"/>
-                        </a:rPr>
-                        <a:t>98.16%</a:t>
-                      </a:r>
-                    </a:p>
-                  </a:txBody>
-                  <a:tcPr marL="4763" marR="4763" marT="4763" marB="0" anchor="ctr"/>
-                </a:tc>
-                <a:tc>
-                  <a:txBody>
-                    <a:bodyPr/>
-                    <a:lstStyle/>
-                    <a:p>
-                      <a:pPr algn="ctr" fontAlgn="ctr"/>
-                      <a:r>
-                        <a:rPr lang="en-US" sz="1400" b="0" i="0" u="none" strike="noStrike" dirty="0">
-                          <a:solidFill>
-                            <a:srgbClr val="000000"/>
-                          </a:solidFill>
-                          <a:effectLst/>
-                          <a:latin typeface="+mn-lt"/>
-                        </a:rPr>
-                        <a:t>1.84%</a:t>
-                      </a:r>
-                    </a:p>
-                  </a:txBody>
-                  <a:tcPr marL="4763" marR="4763" marT="4763" marB="0" anchor="ctr"/>
-                </a:tc>
-                <a:tc>
-                  <a:txBody>
-                    <a:bodyPr/>
-                    <a:lstStyle/>
-                    <a:p>
-                      <a:pPr algn="ctr" fontAlgn="ctr"/>
-                      <a:r>
-                        <a:rPr lang="en-US" sz="1400" b="0" i="0" u="none" strike="noStrike" dirty="0">
-                          <a:solidFill>
-                            <a:srgbClr val="000000"/>
-                          </a:solidFill>
-                          <a:effectLst/>
-                          <a:latin typeface="+mn-lt"/>
-                        </a:rPr>
-                        <a:t>65.25%</a:t>
-                      </a:r>
-                    </a:p>
-                  </a:txBody>
-                  <a:tcPr marL="4763" marR="4763" marT="4763" marB="0" anchor="ctr"/>
-                </a:tc>
-                <a:tc>
-                  <a:txBody>
-                    <a:bodyPr/>
-                    <a:lstStyle/>
-                    <a:p>
-                      <a:pPr algn="ctr" fontAlgn="ctr"/>
-                      <a:r>
-                        <a:rPr lang="en-US" sz="1400" b="0" i="0" u="none" strike="noStrike" dirty="0">
-                          <a:solidFill>
-                            <a:srgbClr val="000000"/>
-                          </a:solidFill>
-                          <a:effectLst/>
-                          <a:latin typeface="+mn-lt"/>
-                        </a:rPr>
-                        <a:t>49.70%</a:t>
-                      </a:r>
-                    </a:p>
-                  </a:txBody>
-                  <a:tcPr marL="4763" marR="4763" marT="4763" marB="0" anchor="ctr"/>
-                </a:tc>
-                <a:tc>
-                  <a:txBody>
-                    <a:bodyPr/>
-                    <a:lstStyle/>
-                    <a:p>
-                      <a:pPr algn="ctr" fontAlgn="ctr"/>
-                      <a:r>
-                        <a:rPr lang="en-US" sz="1400" b="0" i="0" u="none" strike="noStrike" dirty="0">
-                          <a:solidFill>
-                            <a:srgbClr val="000000"/>
-                          </a:solidFill>
-                          <a:effectLst/>
-                          <a:latin typeface="+mn-lt"/>
-                        </a:rPr>
-                        <a:t>1m:02s</a:t>
-                      </a:r>
-                    </a:p>
-                  </a:txBody>
-                  <a:tcPr marL="4763" marR="4763" marT="4763" marB="0" anchor="ctr">
-                    <a:solidFill>
-                      <a:schemeClr val="bg1">
-                        <a:lumMod val="95000"/>
-                      </a:schemeClr>
-                    </a:solidFill>
-                  </a:tcPr>
-                </a:tc>
-              </a:tr>
-              <a:tr h="385836">
-                <a:tc>
-                  <a:txBody>
-                    <a:bodyPr/>
-                    <a:lstStyle/>
-                    <a:p>
-                      <a:pPr algn="l" fontAlgn="b"/>
-                      <a:r>
-                        <a:rPr lang="en-US" sz="1400" b="1" i="0" u="none" strike="noStrike" dirty="0">
-                          <a:solidFill>
-                            <a:srgbClr val="000000"/>
-                          </a:solidFill>
-                          <a:effectLst/>
-                          <a:latin typeface="+mn-lt"/>
-                        </a:rPr>
-                        <a:t>Random Forest</a:t>
-                      </a:r>
-                    </a:p>
-                  </a:txBody>
-                  <a:tcPr marL="4763" marR="4763" marT="4763" marB="0" anchor="b"/>
-                </a:tc>
-                <a:tc>
-                  <a:txBody>
-                    <a:bodyPr/>
-                    <a:lstStyle/>
-                    <a:p>
-                      <a:pPr algn="ctr" fontAlgn="ctr"/>
-                      <a:r>
-                        <a:rPr lang="en-US" sz="1400" b="0" i="0" u="none" strike="noStrike" dirty="0">
-                          <a:solidFill>
-                            <a:srgbClr val="000000"/>
-                          </a:solidFill>
-                          <a:effectLst/>
-                          <a:latin typeface="+mn-lt"/>
-                        </a:rPr>
-                        <a:t>93.49%</a:t>
-                      </a:r>
-                    </a:p>
-                  </a:txBody>
-                  <a:tcPr marL="4763" marR="4763" marT="4763" marB="0" anchor="ctr"/>
-                </a:tc>
-                <a:tc>
-                  <a:txBody>
-                    <a:bodyPr/>
-                    <a:lstStyle/>
-                    <a:p>
-                      <a:pPr algn="ctr" fontAlgn="ctr"/>
-                      <a:r>
-                        <a:rPr lang="en-US" sz="1400" b="0" i="0" u="none" strike="noStrike" dirty="0">
-                          <a:solidFill>
-                            <a:srgbClr val="000000"/>
-                          </a:solidFill>
-                          <a:effectLst/>
-                          <a:latin typeface="+mn-lt"/>
-                        </a:rPr>
-                        <a:t>32.80%</a:t>
-                      </a:r>
-                    </a:p>
-                  </a:txBody>
-                  <a:tcPr marL="4763" marR="4763" marT="4763" marB="0" anchor="ctr"/>
-                </a:tc>
-                <a:tc>
-                  <a:txBody>
-                    <a:bodyPr/>
-                    <a:lstStyle/>
-                    <a:p>
-                      <a:pPr algn="ctr" fontAlgn="ctr"/>
-                      <a:r>
-                        <a:rPr lang="en-US" sz="1400" b="0" i="0" u="none" strike="noStrike" dirty="0">
-                          <a:solidFill>
-                            <a:srgbClr val="000000"/>
-                          </a:solidFill>
-                          <a:effectLst/>
-                          <a:latin typeface="+mn-lt"/>
-                        </a:rPr>
-                        <a:t>98.70%</a:t>
-                      </a:r>
-                    </a:p>
-                  </a:txBody>
-                  <a:tcPr marL="4763" marR="4763" marT="4763" marB="0" anchor="ctr"/>
-                </a:tc>
-                <a:tc>
-                  <a:txBody>
-                    <a:bodyPr/>
-                    <a:lstStyle/>
-                    <a:p>
-                      <a:pPr algn="ctr" fontAlgn="ctr"/>
-                      <a:r>
-                        <a:rPr lang="en-US" sz="1400" b="0" i="0" u="none" strike="noStrike" dirty="0">
-                          <a:solidFill>
-                            <a:srgbClr val="000000"/>
-                          </a:solidFill>
-                          <a:effectLst/>
-                          <a:latin typeface="+mn-lt"/>
-                        </a:rPr>
-                        <a:t>1.30%</a:t>
-                      </a:r>
-                    </a:p>
-                  </a:txBody>
-                  <a:tcPr marL="4763" marR="4763" marT="4763" marB="0" anchor="ctr"/>
-                </a:tc>
-                <a:tc>
-                  <a:txBody>
-                    <a:bodyPr/>
-                    <a:lstStyle/>
-                    <a:p>
-                      <a:pPr algn="ctr" fontAlgn="ctr"/>
-                      <a:r>
-                        <a:rPr lang="en-US" sz="1400" b="0" i="0" u="none" strike="noStrike" dirty="0">
-                          <a:solidFill>
-                            <a:srgbClr val="000000"/>
-                          </a:solidFill>
-                          <a:effectLst/>
-                          <a:latin typeface="+mn-lt"/>
-                        </a:rPr>
-                        <a:t>68.46%</a:t>
-                      </a:r>
-                    </a:p>
-                  </a:txBody>
-                  <a:tcPr marL="4763" marR="4763" marT="4763" marB="0" anchor="ctr"/>
-                </a:tc>
-                <a:tc>
-                  <a:txBody>
-                    <a:bodyPr/>
-                    <a:lstStyle/>
-                    <a:p>
-                      <a:pPr algn="ctr" fontAlgn="ctr"/>
-                      <a:r>
-                        <a:rPr lang="en-US" sz="1400" b="0" i="0" u="none" strike="noStrike" dirty="0">
-                          <a:solidFill>
-                            <a:srgbClr val="000000"/>
-                          </a:solidFill>
-                          <a:effectLst/>
-                          <a:latin typeface="+mn-lt"/>
-                        </a:rPr>
-                        <a:t>44.35%</a:t>
-                      </a:r>
-                    </a:p>
-                  </a:txBody>
-                  <a:tcPr marL="4763" marR="4763" marT="4763" marB="0" anchor="ctr"/>
-                </a:tc>
-                <a:tc>
-                  <a:txBody>
-                    <a:bodyPr/>
-                    <a:lstStyle/>
-                    <a:p>
-                      <a:pPr algn="ctr" fontAlgn="ctr"/>
-                      <a:r>
-                        <a:rPr lang="en-US" sz="1400" b="0" i="0" u="none" strike="noStrike" dirty="0">
-                          <a:solidFill>
-                            <a:srgbClr val="000000"/>
-                          </a:solidFill>
-                          <a:effectLst/>
-                          <a:latin typeface="+mn-lt"/>
-                        </a:rPr>
-                        <a:t>0m:05s</a:t>
-                      </a:r>
-                    </a:p>
-                  </a:txBody>
-                  <a:tcPr marL="4763" marR="4763" marT="4763" marB="0" anchor="ctr">
-                    <a:solidFill>
-                      <a:schemeClr val="bg1">
-                        <a:lumMod val="95000"/>
-                      </a:schemeClr>
-                    </a:solidFill>
-                  </a:tcPr>
-                </a:tc>
-              </a:tr>
-              <a:tr h="385836">
-                <a:tc>
-                  <a:txBody>
-                    <a:bodyPr/>
-                    <a:lstStyle/>
-                    <a:p>
-                      <a:pPr algn="l" fontAlgn="b"/>
-                      <a:r>
-                        <a:rPr lang="en-US" sz="1400" b="1" i="0" u="none" strike="noStrike" dirty="0">
-                          <a:solidFill>
-                            <a:srgbClr val="000000"/>
-                          </a:solidFill>
-                          <a:effectLst/>
-                          <a:latin typeface="+mn-lt"/>
-                        </a:rPr>
-                        <a:t>Extra Trees</a:t>
-                      </a:r>
-                    </a:p>
-                  </a:txBody>
-                  <a:tcPr marL="4763" marR="4763" marT="4763" marB="0" anchor="b"/>
-                </a:tc>
-                <a:tc>
-                  <a:txBody>
-                    <a:bodyPr/>
-                    <a:lstStyle/>
-                    <a:p>
-                      <a:pPr algn="ctr" fontAlgn="ctr"/>
-                      <a:r>
-                        <a:rPr lang="en-US" sz="1400" b="0" i="0" u="none" strike="noStrike" dirty="0">
-                          <a:solidFill>
-                            <a:srgbClr val="000000"/>
-                          </a:solidFill>
-                          <a:effectLst/>
-                          <a:latin typeface="+mn-lt"/>
-                        </a:rPr>
-                        <a:t>92.97%</a:t>
-                      </a:r>
-                    </a:p>
-                  </a:txBody>
-                  <a:tcPr marL="4763" marR="4763" marT="4763" marB="0" anchor="ctr"/>
-                </a:tc>
-                <a:tc>
-                  <a:txBody>
-                    <a:bodyPr/>
-                    <a:lstStyle/>
-                    <a:p>
-                      <a:pPr algn="ctr" fontAlgn="ctr"/>
-                      <a:r>
-                        <a:rPr lang="en-US" sz="1400" b="0" i="0" u="none" strike="noStrike" dirty="0">
-                          <a:solidFill>
-                            <a:srgbClr val="000000"/>
-                          </a:solidFill>
-                          <a:effectLst/>
-                          <a:latin typeface="+mn-lt"/>
-                        </a:rPr>
-                        <a:t>31.99%</a:t>
-                      </a:r>
-                    </a:p>
-                  </a:txBody>
-                  <a:tcPr marL="4763" marR="4763" marT="4763" marB="0" anchor="ctr"/>
-                </a:tc>
-                <a:tc>
-                  <a:txBody>
-                    <a:bodyPr/>
-                    <a:lstStyle/>
-                    <a:p>
-                      <a:pPr algn="ctr" fontAlgn="ctr"/>
-                      <a:r>
-                        <a:rPr lang="en-US" sz="1400" b="0" i="0" u="none" strike="noStrike" dirty="0">
-                          <a:solidFill>
-                            <a:srgbClr val="000000"/>
-                          </a:solidFill>
-                          <a:effectLst/>
-                          <a:latin typeface="+mn-lt"/>
-                        </a:rPr>
-                        <a:t>98.21%</a:t>
-                      </a:r>
-                    </a:p>
-                  </a:txBody>
-                  <a:tcPr marL="4763" marR="4763" marT="4763" marB="0" anchor="ctr"/>
-                </a:tc>
-                <a:tc>
-                  <a:txBody>
-                    <a:bodyPr/>
-                    <a:lstStyle/>
-                    <a:p>
-                      <a:pPr algn="ctr" fontAlgn="ctr"/>
-                      <a:r>
-                        <a:rPr lang="en-US" sz="1400" b="0" i="0" u="none" strike="noStrike" dirty="0">
-                          <a:solidFill>
-                            <a:srgbClr val="000000"/>
-                          </a:solidFill>
-                          <a:effectLst/>
-                          <a:latin typeface="+mn-lt"/>
-                        </a:rPr>
-                        <a:t>1.79%</a:t>
-                      </a:r>
-                    </a:p>
-                  </a:txBody>
-                  <a:tcPr marL="4763" marR="4763" marT="4763" marB="0" anchor="ctr"/>
-                </a:tc>
-                <a:tc>
-                  <a:txBody>
-                    <a:bodyPr/>
-                    <a:lstStyle/>
-                    <a:p>
-                      <a:pPr algn="ctr" fontAlgn="ctr"/>
-                      <a:r>
-                        <a:rPr lang="en-US" sz="1400" b="0" i="0" u="none" strike="noStrike" dirty="0">
-                          <a:solidFill>
-                            <a:srgbClr val="000000"/>
-                          </a:solidFill>
-                          <a:effectLst/>
-                          <a:latin typeface="+mn-lt"/>
-                        </a:rPr>
-                        <a:t>60.56%</a:t>
-                      </a:r>
-                    </a:p>
-                  </a:txBody>
-                  <a:tcPr marL="4763" marR="4763" marT="4763" marB="0" anchor="ctr"/>
-                </a:tc>
-                <a:tc>
-                  <a:txBody>
-                    <a:bodyPr/>
-                    <a:lstStyle/>
-                    <a:p>
-                      <a:pPr algn="ctr" fontAlgn="ctr"/>
-                      <a:r>
-                        <a:rPr lang="en-US" sz="1400" b="0" i="0" u="none" strike="noStrike" dirty="0">
-                          <a:solidFill>
-                            <a:srgbClr val="000000"/>
-                          </a:solidFill>
-                          <a:effectLst/>
-                          <a:latin typeface="+mn-lt"/>
-                        </a:rPr>
-                        <a:t>41.87%</a:t>
-                      </a:r>
-                    </a:p>
-                  </a:txBody>
-                  <a:tcPr marL="4763" marR="4763" marT="4763" marB="0" anchor="ctr"/>
-                </a:tc>
-                <a:tc>
-                  <a:txBody>
-                    <a:bodyPr/>
-                    <a:lstStyle/>
-                    <a:p>
-                      <a:pPr algn="ctr" fontAlgn="ctr"/>
-                      <a:r>
-                        <a:rPr lang="en-US" sz="1400" b="0" i="0" u="none" strike="noStrike" dirty="0">
-                          <a:solidFill>
-                            <a:srgbClr val="000000"/>
-                          </a:solidFill>
-                          <a:effectLst/>
-                          <a:latin typeface="+mn-lt"/>
-                        </a:rPr>
-                        <a:t>0m:08s</a:t>
-                      </a:r>
-                    </a:p>
-                  </a:txBody>
-                  <a:tcPr marL="4763" marR="4763" marT="4763" marB="0" anchor="ctr">
-                    <a:solidFill>
-                      <a:schemeClr val="bg1">
-                        <a:lumMod val="95000"/>
-                      </a:schemeClr>
-                    </a:solidFill>
-                  </a:tcPr>
-                </a:tc>
-              </a:tr>
-              <a:tr h="385836">
-                <a:tc>
-                  <a:txBody>
-                    <a:bodyPr/>
-                    <a:lstStyle/>
-                    <a:p>
-                      <a:pPr algn="l" fontAlgn="b"/>
-                      <a:r>
-                        <a:rPr lang="en-US" sz="1400" b="1" i="0" u="none" strike="noStrike" dirty="0">
-                          <a:solidFill>
-                            <a:srgbClr val="000000"/>
-                          </a:solidFill>
-                          <a:effectLst/>
-                          <a:latin typeface="+mn-lt"/>
-                        </a:rPr>
-                        <a:t>KNN</a:t>
-                      </a:r>
-                    </a:p>
-                  </a:txBody>
-                  <a:tcPr marL="4763" marR="4763" marT="4763" marB="0" anchor="b"/>
-                </a:tc>
-                <a:tc>
-                  <a:txBody>
-                    <a:bodyPr/>
-                    <a:lstStyle/>
-                    <a:p>
-                      <a:pPr algn="ctr" fontAlgn="ctr"/>
-                      <a:r>
-                        <a:rPr lang="en-US" sz="1400" b="0" i="0" u="none" strike="noStrike" dirty="0">
-                          <a:solidFill>
-                            <a:srgbClr val="000000"/>
-                          </a:solidFill>
-                          <a:effectLst/>
-                          <a:latin typeface="+mn-lt"/>
-                        </a:rPr>
-                        <a:t>92.51%</a:t>
-                      </a:r>
-                    </a:p>
-                  </a:txBody>
-                  <a:tcPr marL="4763" marR="4763" marT="4763" marB="0" anchor="ctr"/>
-                </a:tc>
-                <a:tc>
-                  <a:txBody>
-                    <a:bodyPr/>
-                    <a:lstStyle/>
-                    <a:p>
-                      <a:pPr algn="ctr" fontAlgn="ctr"/>
-                      <a:r>
-                        <a:rPr lang="en-US" sz="1400" b="0" i="0" u="none" strike="noStrike" dirty="0">
-                          <a:solidFill>
-                            <a:srgbClr val="000000"/>
-                          </a:solidFill>
-                          <a:effectLst/>
-                          <a:latin typeface="+mn-lt"/>
-                        </a:rPr>
-                        <a:t>28.54%</a:t>
-                      </a:r>
-                    </a:p>
-                  </a:txBody>
-                  <a:tcPr marL="4763" marR="4763" marT="4763" marB="0" anchor="ctr"/>
-                </a:tc>
-                <a:tc>
-                  <a:txBody>
-                    <a:bodyPr/>
-                    <a:lstStyle/>
-                    <a:p>
-                      <a:pPr algn="ctr" fontAlgn="ctr"/>
-                      <a:r>
-                        <a:rPr lang="en-US" sz="1400" b="0" i="0" u="none" strike="noStrike" dirty="0">
-                          <a:solidFill>
-                            <a:srgbClr val="000000"/>
-                          </a:solidFill>
-                          <a:effectLst/>
-                          <a:latin typeface="+mn-lt"/>
-                        </a:rPr>
-                        <a:t>98.01%</a:t>
-                      </a:r>
-                    </a:p>
-                  </a:txBody>
-                  <a:tcPr marL="4763" marR="4763" marT="4763" marB="0" anchor="ctr"/>
-                </a:tc>
-                <a:tc>
-                  <a:txBody>
-                    <a:bodyPr/>
-                    <a:lstStyle/>
-                    <a:p>
-                      <a:pPr algn="ctr" fontAlgn="ctr"/>
-                      <a:r>
-                        <a:rPr lang="en-US" sz="1400" b="0" i="0" u="none" strike="noStrike" dirty="0">
-                          <a:solidFill>
-                            <a:srgbClr val="000000"/>
-                          </a:solidFill>
-                          <a:effectLst/>
-                          <a:latin typeface="+mn-lt"/>
-                        </a:rPr>
-                        <a:t>1.99%</a:t>
-                      </a:r>
-                    </a:p>
-                  </a:txBody>
-                  <a:tcPr marL="4763" marR="4763" marT="4763" marB="0" anchor="ctr"/>
-                </a:tc>
-                <a:tc>
-                  <a:txBody>
-                    <a:bodyPr/>
-                    <a:lstStyle/>
-                    <a:p>
-                      <a:pPr algn="ctr" fontAlgn="ctr"/>
-                      <a:r>
-                        <a:rPr lang="en-US" sz="1400" b="0" i="0" u="none" strike="noStrike" dirty="0">
-                          <a:solidFill>
-                            <a:srgbClr val="000000"/>
-                          </a:solidFill>
-                          <a:effectLst/>
-                          <a:latin typeface="+mn-lt"/>
-                        </a:rPr>
-                        <a:t>55.15%</a:t>
-                      </a:r>
-                    </a:p>
-                  </a:txBody>
-                  <a:tcPr marL="4763" marR="4763" marT="4763" marB="0" anchor="ctr"/>
-                </a:tc>
-                <a:tc>
-                  <a:txBody>
-                    <a:bodyPr/>
-                    <a:lstStyle/>
-                    <a:p>
-                      <a:pPr algn="ctr" fontAlgn="ctr"/>
-                      <a:r>
-                        <a:rPr lang="en-US" sz="1400" b="0" i="0" u="none" strike="noStrike" dirty="0">
-                          <a:solidFill>
-                            <a:srgbClr val="000000"/>
-                          </a:solidFill>
-                          <a:effectLst/>
-                          <a:latin typeface="+mn-lt"/>
-                        </a:rPr>
-                        <a:t>37.62%</a:t>
-                      </a:r>
-                    </a:p>
-                  </a:txBody>
-                  <a:tcPr marL="4763" marR="4763" marT="4763" marB="0" anchor="ctr"/>
-                </a:tc>
-                <a:tc>
-                  <a:txBody>
-                    <a:bodyPr/>
-                    <a:lstStyle/>
-                    <a:p>
-                      <a:pPr algn="ctr" fontAlgn="ctr"/>
-                      <a:r>
-                        <a:rPr lang="en-US" sz="1400" b="0" i="0" u="none" strike="noStrike" dirty="0">
-                          <a:solidFill>
-                            <a:srgbClr val="000000"/>
-                          </a:solidFill>
-                          <a:effectLst/>
-                          <a:latin typeface="+mn-lt"/>
-                        </a:rPr>
-                        <a:t>16m:03s</a:t>
-                      </a:r>
-                    </a:p>
-                  </a:txBody>
-                  <a:tcPr marL="4763" marR="4763" marT="4763" marB="0" anchor="ctr">
-                    <a:solidFill>
-                      <a:schemeClr val="bg1">
-                        <a:lumMod val="95000"/>
-                      </a:schemeClr>
-                    </a:solidFill>
-                  </a:tcPr>
-                </a:tc>
-              </a:tr>
-              <a:tr h="385836">
-                <a:tc>
-                  <a:txBody>
-                    <a:bodyPr/>
-                    <a:lstStyle/>
-                    <a:p>
-                      <a:pPr algn="l" fontAlgn="b"/>
-                      <a:r>
-                        <a:rPr lang="en-US" sz="1400" b="1" i="0" u="none" strike="noStrike" smtClean="0">
-                          <a:solidFill>
-                            <a:srgbClr val="000000"/>
-                          </a:solidFill>
-                          <a:effectLst/>
-                          <a:latin typeface="+mn-lt"/>
-                        </a:rPr>
-                        <a:t>SVM</a:t>
-                      </a:r>
-                      <a:endParaRPr lang="en-US" sz="1400" b="1" i="0" u="none" strike="noStrike" dirty="0">
-                        <a:solidFill>
-                          <a:srgbClr val="000000"/>
-                        </a:solidFill>
-                        <a:effectLst/>
-                        <a:latin typeface="+mn-lt"/>
-                      </a:endParaRPr>
-                    </a:p>
-                  </a:txBody>
-                  <a:tcPr marL="4763" marR="4763" marT="4763" marB="0" anchor="b"/>
-                </a:tc>
-                <a:tc>
-                  <a:txBody>
-                    <a:bodyPr/>
-                    <a:lstStyle/>
-                    <a:p>
-                      <a:pPr algn="ctr" fontAlgn="ctr"/>
-                      <a:r>
-                        <a:rPr lang="en-US" sz="1400" b="0" i="0" u="none" strike="noStrike" dirty="0">
-                          <a:solidFill>
-                            <a:srgbClr val="000000"/>
-                          </a:solidFill>
-                          <a:effectLst/>
-                          <a:latin typeface="+mn-lt"/>
-                        </a:rPr>
-                        <a:t>92.10%</a:t>
-                      </a:r>
-                    </a:p>
-                  </a:txBody>
-                  <a:tcPr marL="4763" marR="4763" marT="4763" marB="0" anchor="ctr"/>
-                </a:tc>
-                <a:tc>
-                  <a:txBody>
-                    <a:bodyPr/>
-                    <a:lstStyle/>
-                    <a:p>
-                      <a:pPr algn="ctr" fontAlgn="ctr"/>
-                      <a:r>
-                        <a:rPr lang="en-US" sz="1400" b="0" i="0" u="none" strike="noStrike" dirty="0">
-                          <a:solidFill>
-                            <a:srgbClr val="000000"/>
-                          </a:solidFill>
-                          <a:effectLst/>
-                          <a:latin typeface="+mn-lt"/>
-                        </a:rPr>
-                        <a:t>0.10%</a:t>
-                      </a:r>
-                    </a:p>
-                  </a:txBody>
-                  <a:tcPr marL="4763" marR="4763" marT="4763" marB="0" anchor="ctr"/>
-                </a:tc>
-                <a:tc>
-                  <a:txBody>
-                    <a:bodyPr/>
-                    <a:lstStyle/>
-                    <a:p>
-                      <a:pPr algn="ctr" fontAlgn="ctr"/>
-                      <a:r>
-                        <a:rPr lang="en-US" sz="1400" b="0" i="0" u="none" strike="noStrike" dirty="0">
-                          <a:solidFill>
-                            <a:srgbClr val="000000"/>
-                          </a:solidFill>
-                          <a:effectLst/>
-                          <a:latin typeface="+mn-lt"/>
-                        </a:rPr>
-                        <a:t>100.00%</a:t>
-                      </a:r>
-                    </a:p>
-                  </a:txBody>
-                  <a:tcPr marL="4763" marR="4763" marT="4763" marB="0" anchor="ctr"/>
-                </a:tc>
-                <a:tc>
-                  <a:txBody>
-                    <a:bodyPr/>
-                    <a:lstStyle/>
-                    <a:p>
-                      <a:pPr algn="ctr" fontAlgn="ctr"/>
-                      <a:r>
-                        <a:rPr lang="en-US" sz="1400" b="0" i="0" u="none" strike="noStrike" dirty="0">
-                          <a:solidFill>
-                            <a:srgbClr val="000000"/>
-                          </a:solidFill>
-                          <a:effectLst/>
-                          <a:latin typeface="+mn-lt"/>
-                        </a:rPr>
-                        <a:t>0.00%</a:t>
-                      </a:r>
-                    </a:p>
-                  </a:txBody>
-                  <a:tcPr marL="4763" marR="4763" marT="4763" marB="0" anchor="ctr"/>
-                </a:tc>
-                <a:tc>
-                  <a:txBody>
-                    <a:bodyPr/>
-                    <a:lstStyle/>
-                    <a:p>
-                      <a:pPr algn="ctr" fontAlgn="ctr"/>
-                      <a:r>
-                        <a:rPr lang="en-US" sz="1400" b="0" i="0" u="none" strike="noStrike" dirty="0">
-                          <a:solidFill>
-                            <a:srgbClr val="000000"/>
-                          </a:solidFill>
-                          <a:effectLst/>
-                          <a:latin typeface="+mn-lt"/>
-                        </a:rPr>
-                        <a:t>100.00%</a:t>
-                      </a:r>
-                    </a:p>
-                  </a:txBody>
-                  <a:tcPr marL="4763" marR="4763" marT="4763" marB="0" anchor="ctr">
-                    <a:solidFill>
-                      <a:schemeClr val="accent2">
-                        <a:lumMod val="40000"/>
-                        <a:lumOff val="60000"/>
-                      </a:schemeClr>
-                    </a:solidFill>
-                  </a:tcPr>
-                </a:tc>
-                <a:tc>
-                  <a:txBody>
-                    <a:bodyPr/>
-                    <a:lstStyle/>
-                    <a:p>
-                      <a:pPr algn="ctr" fontAlgn="ctr"/>
-                      <a:r>
-                        <a:rPr lang="en-US" sz="1400" b="0" i="0" u="none" strike="noStrike" dirty="0">
-                          <a:solidFill>
-                            <a:srgbClr val="000000"/>
-                          </a:solidFill>
-                          <a:effectLst/>
-                          <a:latin typeface="+mn-lt"/>
-                        </a:rPr>
-                        <a:t>0.20%</a:t>
-                      </a:r>
-                    </a:p>
-                  </a:txBody>
-                  <a:tcPr marL="4763" marR="4763" marT="4763" marB="0" anchor="ctr"/>
-                </a:tc>
-                <a:tc>
-                  <a:txBody>
-                    <a:bodyPr/>
-                    <a:lstStyle/>
-                    <a:p>
-                      <a:pPr algn="ctr" fontAlgn="ctr"/>
-                      <a:r>
-                        <a:rPr lang="en-US" sz="1400" b="0" i="0" u="none" strike="noStrike" dirty="0">
-                          <a:solidFill>
-                            <a:srgbClr val="000000"/>
-                          </a:solidFill>
-                          <a:effectLst/>
-                          <a:latin typeface="+mn-lt"/>
-                        </a:rPr>
-                        <a:t>19m:35s</a:t>
-                      </a:r>
-                    </a:p>
-                  </a:txBody>
-                  <a:tcPr marL="4763" marR="4763" marT="4763" marB="0" anchor="ctr">
-                    <a:solidFill>
-                      <a:schemeClr val="bg1">
-                        <a:lumMod val="95000"/>
-                      </a:schemeClr>
-                    </a:solidFill>
-                  </a:tcPr>
-                </a:tc>
-              </a:tr>
-              <a:tr h="385836">
-                <a:tc>
-                  <a:txBody>
-                    <a:bodyPr/>
-                    <a:lstStyle/>
-                    <a:p>
-                      <a:pPr algn="l" fontAlgn="b"/>
-                      <a:r>
-                        <a:rPr lang="en-US" sz="1400" b="1" i="0" u="none" strike="noStrike" dirty="0">
-                          <a:solidFill>
-                            <a:srgbClr val="000000"/>
-                          </a:solidFill>
-                          <a:effectLst/>
-                          <a:latin typeface="+mn-lt"/>
-                        </a:rPr>
-                        <a:t>Decision Tree</a:t>
-                      </a:r>
-                    </a:p>
-                  </a:txBody>
-                  <a:tcPr marL="4763" marR="4763" marT="4763" marB="0" anchor="b"/>
-                </a:tc>
-                <a:tc>
-                  <a:txBody>
-                    <a:bodyPr/>
-                    <a:lstStyle/>
-                    <a:p>
-                      <a:pPr algn="ctr" fontAlgn="ctr"/>
-                      <a:r>
-                        <a:rPr lang="en-US" sz="1400" b="0" i="0" u="none" strike="noStrike" dirty="0">
-                          <a:solidFill>
-                            <a:srgbClr val="000000"/>
-                          </a:solidFill>
-                          <a:effectLst/>
-                          <a:latin typeface="+mn-lt"/>
-                        </a:rPr>
-                        <a:t>91.45%</a:t>
-                      </a:r>
-                    </a:p>
-                  </a:txBody>
-                  <a:tcPr marL="4763" marR="4763" marT="4763" marB="0" anchor="ctr"/>
-                </a:tc>
-                <a:tc>
-                  <a:txBody>
-                    <a:bodyPr/>
-                    <a:lstStyle/>
-                    <a:p>
-                      <a:pPr algn="ctr" fontAlgn="ctr"/>
-                      <a:r>
-                        <a:rPr lang="en-US" sz="1400" b="0" i="0" u="none" strike="noStrike" dirty="0">
-                          <a:solidFill>
-                            <a:srgbClr val="000000"/>
-                          </a:solidFill>
-                          <a:effectLst/>
-                          <a:latin typeface="+mn-lt"/>
-                        </a:rPr>
-                        <a:t>47.44%</a:t>
-                      </a:r>
-                    </a:p>
-                  </a:txBody>
-                  <a:tcPr marL="4763" marR="4763" marT="4763" marB="0" anchor="ctr">
-                    <a:solidFill>
-                      <a:schemeClr val="accent2">
-                        <a:lumMod val="40000"/>
-                        <a:lumOff val="60000"/>
-                      </a:schemeClr>
-                    </a:solidFill>
-                  </a:tcPr>
-                </a:tc>
-                <a:tc>
-                  <a:txBody>
-                    <a:bodyPr/>
-                    <a:lstStyle/>
-                    <a:p>
-                      <a:pPr algn="ctr" fontAlgn="ctr"/>
-                      <a:r>
-                        <a:rPr lang="en-US" sz="1400" b="0" i="0" u="none" strike="noStrike" dirty="0">
-                          <a:solidFill>
-                            <a:srgbClr val="000000"/>
-                          </a:solidFill>
-                          <a:effectLst/>
-                          <a:latin typeface="+mn-lt"/>
-                        </a:rPr>
-                        <a:t>95.22%</a:t>
-                      </a:r>
-                    </a:p>
-                  </a:txBody>
-                  <a:tcPr marL="4763" marR="4763" marT="4763" marB="0" anchor="ctr"/>
-                </a:tc>
-                <a:tc>
-                  <a:txBody>
-                    <a:bodyPr/>
-                    <a:lstStyle/>
-                    <a:p>
-                      <a:pPr algn="ctr" fontAlgn="ctr"/>
-                      <a:r>
-                        <a:rPr lang="en-US" sz="1400" b="0" i="0" u="none" strike="noStrike" dirty="0">
-                          <a:solidFill>
-                            <a:srgbClr val="000000"/>
-                          </a:solidFill>
-                          <a:effectLst/>
-                          <a:latin typeface="+mn-lt"/>
-                        </a:rPr>
-                        <a:t>4.78%</a:t>
-                      </a:r>
-                    </a:p>
-                  </a:txBody>
-                  <a:tcPr marL="4763" marR="4763" marT="4763" marB="0" anchor="ctr"/>
-                </a:tc>
-                <a:tc>
-                  <a:txBody>
-                    <a:bodyPr/>
-                    <a:lstStyle/>
-                    <a:p>
-                      <a:pPr algn="ctr" fontAlgn="ctr"/>
-                      <a:r>
-                        <a:rPr lang="en-US" sz="1400" b="0" i="0" u="none" strike="noStrike" dirty="0">
-                          <a:solidFill>
-                            <a:srgbClr val="000000"/>
-                          </a:solidFill>
-                          <a:effectLst/>
-                          <a:latin typeface="+mn-lt"/>
-                        </a:rPr>
-                        <a:t>46.03%</a:t>
-                      </a:r>
-                    </a:p>
-                  </a:txBody>
-                  <a:tcPr marL="4763" marR="4763" marT="4763" marB="0" anchor="ctr"/>
-                </a:tc>
-                <a:tc>
-                  <a:txBody>
-                    <a:bodyPr/>
-                    <a:lstStyle/>
-                    <a:p>
-                      <a:pPr algn="ctr" fontAlgn="ctr"/>
-                      <a:r>
-                        <a:rPr lang="en-US" sz="1400" b="0" i="0" u="none" strike="noStrike" dirty="0">
-                          <a:solidFill>
-                            <a:srgbClr val="000000"/>
-                          </a:solidFill>
-                          <a:effectLst/>
-                          <a:latin typeface="+mn-lt"/>
-                        </a:rPr>
-                        <a:t>46.73%</a:t>
-                      </a:r>
-                    </a:p>
-                  </a:txBody>
-                  <a:tcPr marL="4763" marR="4763" marT="4763" marB="0" anchor="ctr"/>
-                </a:tc>
-                <a:tc>
-                  <a:txBody>
-                    <a:bodyPr/>
-                    <a:lstStyle/>
-                    <a:p>
-                      <a:pPr algn="ctr" fontAlgn="ctr"/>
-                      <a:r>
-                        <a:rPr lang="en-US" sz="1400" b="0" i="0" u="none" strike="noStrike" dirty="0">
-                          <a:solidFill>
-                            <a:srgbClr val="000000"/>
-                          </a:solidFill>
-                          <a:effectLst/>
-                          <a:latin typeface="+mn-lt"/>
-                        </a:rPr>
-                        <a:t>00:11s</a:t>
-                      </a:r>
-                    </a:p>
-                  </a:txBody>
-                  <a:tcPr marL="4763" marR="4763" marT="4763" marB="0" anchor="ctr">
-                    <a:solidFill>
-                      <a:schemeClr val="bg1">
-                        <a:lumMod val="95000"/>
-                      </a:schemeClr>
-                    </a:solidFill>
-                  </a:tcPr>
-                </a:tc>
-              </a:tr>
-              <a:tr h="385836">
-                <a:tc>
-                  <a:txBody>
-                    <a:bodyPr/>
-                    <a:lstStyle/>
-                    <a:p>
-                      <a:pPr algn="l" fontAlgn="b"/>
-                      <a:r>
-                        <a:rPr lang="en-US" sz="1400" b="1" i="0" u="none" strike="noStrike" dirty="0">
-                          <a:solidFill>
-                            <a:srgbClr val="000000"/>
-                          </a:solidFill>
-                          <a:effectLst/>
-                          <a:latin typeface="+mn-lt"/>
-                        </a:rPr>
-                        <a:t>Naïve Bayes</a:t>
-                      </a:r>
-                    </a:p>
-                  </a:txBody>
-                  <a:tcPr marL="4763" marR="4763" marT="4763" marB="0" anchor="b"/>
-                </a:tc>
-                <a:tc>
-                  <a:txBody>
-                    <a:bodyPr/>
-                    <a:lstStyle/>
-                    <a:p>
-                      <a:pPr algn="ctr" fontAlgn="ctr"/>
-                      <a:r>
-                        <a:rPr lang="en-US" sz="1400" b="0" i="0" u="none" strike="noStrike" dirty="0">
-                          <a:solidFill>
-                            <a:srgbClr val="000000"/>
-                          </a:solidFill>
-                          <a:effectLst/>
-                          <a:latin typeface="+mn-lt"/>
-                        </a:rPr>
-                        <a:t>34.82%</a:t>
-                      </a:r>
-                    </a:p>
-                  </a:txBody>
-                  <a:tcPr marL="4763" marR="4763" marT="4763" marB="0" anchor="ctr"/>
-                </a:tc>
-                <a:tc>
-                  <a:txBody>
-                    <a:bodyPr/>
-                    <a:lstStyle/>
-                    <a:p>
-                      <a:pPr algn="ctr" fontAlgn="ctr"/>
-                      <a:r>
-                        <a:rPr lang="en-US" sz="1400" b="0" i="0" u="none" strike="noStrike" dirty="0">
-                          <a:solidFill>
-                            <a:srgbClr val="000000"/>
-                          </a:solidFill>
-                          <a:effectLst/>
-                          <a:latin typeface="+mn-lt"/>
-                        </a:rPr>
-                        <a:t>95.18%</a:t>
-                      </a:r>
-                    </a:p>
-                  </a:txBody>
-                  <a:tcPr marL="4763" marR="4763" marT="4763" marB="0" anchor="ctr"/>
-                </a:tc>
-                <a:tc>
-                  <a:txBody>
-                    <a:bodyPr/>
-                    <a:lstStyle/>
-                    <a:p>
-                      <a:pPr algn="ctr" fontAlgn="ctr"/>
-                      <a:r>
-                        <a:rPr lang="en-US" sz="1400" b="0" i="0" u="none" strike="noStrike" dirty="0">
-                          <a:solidFill>
-                            <a:srgbClr val="000000"/>
-                          </a:solidFill>
-                          <a:effectLst/>
-                          <a:latin typeface="+mn-lt"/>
-                        </a:rPr>
-                        <a:t>29.63%</a:t>
-                      </a:r>
-                    </a:p>
-                  </a:txBody>
-                  <a:tcPr marL="4763" marR="4763" marT="4763" marB="0" anchor="ctr"/>
-                </a:tc>
-                <a:tc>
-                  <a:txBody>
-                    <a:bodyPr/>
-                    <a:lstStyle/>
-                    <a:p>
-                      <a:pPr algn="ctr" fontAlgn="ctr"/>
-                      <a:r>
-                        <a:rPr lang="en-US" sz="1400" b="0" i="0" u="none" strike="noStrike" dirty="0">
-                          <a:solidFill>
-                            <a:srgbClr val="000000"/>
-                          </a:solidFill>
-                          <a:effectLst/>
-                          <a:latin typeface="+mn-lt"/>
-                        </a:rPr>
-                        <a:t>70.37%</a:t>
-                      </a:r>
-                    </a:p>
-                  </a:txBody>
-                  <a:tcPr marL="4763" marR="4763" marT="4763" marB="0" anchor="ctr"/>
-                </a:tc>
-                <a:tc>
-                  <a:txBody>
-                    <a:bodyPr/>
-                    <a:lstStyle/>
-                    <a:p>
-                      <a:pPr algn="ctr" fontAlgn="ctr"/>
-                      <a:r>
-                        <a:rPr lang="en-US" sz="1400" b="0" i="0" u="none" strike="noStrike" dirty="0">
-                          <a:solidFill>
-                            <a:srgbClr val="000000"/>
-                          </a:solidFill>
-                          <a:effectLst/>
-                          <a:latin typeface="+mn-lt"/>
-                        </a:rPr>
-                        <a:t>10.41%</a:t>
-                      </a:r>
-                    </a:p>
-                  </a:txBody>
-                  <a:tcPr marL="4763" marR="4763" marT="4763" marB="0" anchor="ctr"/>
-                </a:tc>
-                <a:tc>
-                  <a:txBody>
-                    <a:bodyPr/>
-                    <a:lstStyle/>
-                    <a:p>
-                      <a:pPr algn="ctr" fontAlgn="ctr"/>
-                      <a:r>
-                        <a:rPr lang="en-US" sz="1400" b="0" i="0" u="none" strike="noStrike" dirty="0">
-                          <a:solidFill>
-                            <a:srgbClr val="000000"/>
-                          </a:solidFill>
-                          <a:effectLst/>
-                          <a:latin typeface="+mn-lt"/>
-                        </a:rPr>
-                        <a:t>18.76%</a:t>
-                      </a:r>
-                    </a:p>
-                  </a:txBody>
-                  <a:tcPr marL="4763" marR="4763" marT="4763" marB="0" anchor="ctr"/>
-                </a:tc>
-                <a:tc>
-                  <a:txBody>
-                    <a:bodyPr/>
-                    <a:lstStyle/>
-                    <a:p>
-                      <a:pPr algn="ctr" fontAlgn="ctr"/>
-                      <a:r>
-                        <a:rPr lang="en-US" sz="1400" b="0" i="0" u="none" strike="noStrike" dirty="0">
-                          <a:solidFill>
-                            <a:srgbClr val="000000"/>
-                          </a:solidFill>
-                          <a:effectLst/>
-                          <a:latin typeface="+mn-lt"/>
-                        </a:rPr>
-                        <a:t>00:01s</a:t>
-                      </a:r>
-                    </a:p>
-                  </a:txBody>
-                  <a:tcPr marL="4763" marR="4763" marT="4763" marB="0" anchor="ctr">
-                    <a:solidFill>
-                      <a:schemeClr val="bg1">
-                        <a:lumMod val="95000"/>
-                      </a:schemeClr>
-                    </a:solidFill>
-                  </a:tcPr>
-                </a:tc>
-              </a:tr>
-            </a:tbl>
-          </a:graphicData>
-        </a:graphic>
-      </p:graphicFrame>
+              <a:t>Model </a:t>
+            </a:r>
+            <a:r>
+              <a:rPr lang="en-US" dirty="0" smtClean="0"/>
+              <a:t>Evaluation</a:t>
+            </a:r>
+            <a:endParaRPr lang="en-US" dirty="0"/>
+          </a:p>
+        </p:txBody>
+      </p:sp>
+      <p:pic>
+        <p:nvPicPr>
+          <p:cNvPr id="4" name="Picture 3"/>
+          <p:cNvPicPr>
+            <a:picLocks noChangeAspect="1"/>
+          </p:cNvPicPr>
+          <p:nvPr/>
+        </p:nvPicPr>
+        <p:blipFill>
+          <a:blip r:embed="rId2"/>
+          <a:stretch>
+            <a:fillRect/>
+          </a:stretch>
+        </p:blipFill>
+        <p:spPr>
+          <a:xfrm>
+            <a:off x="1216589" y="2623947"/>
+            <a:ext cx="10906400" cy="2618616"/>
+          </a:xfrm>
+          <a:prstGeom prst="rect">
+            <a:avLst/>
+          </a:prstGeom>
+        </p:spPr>
+      </p:pic>
     </p:spTree>
     <p:extLst>
       <p:ext uri="{BB962C8B-B14F-4D97-AF65-F5344CB8AC3E}">
@@ -9130,95 +7137,6 @@
         </p:nvSpPr>
         <p:spPr>
           <a:xfrm>
-            <a:off x="1484311" y="685800"/>
-            <a:ext cx="10018713" cy="832449"/>
-          </a:xfrm>
-        </p:spPr>
-        <p:txBody>
-          <a:bodyPr/>
-          <a:lstStyle/>
-          <a:p>
-            <a:r>
-              <a:rPr lang="en-US" dirty="0" smtClean="0"/>
-              <a:t>Model Evaluation – SMOTE</a:t>
-            </a:r>
-            <a:endParaRPr lang="en-US" dirty="0"/>
-          </a:p>
-        </p:txBody>
-      </p:sp>
-      <p:pic>
-        <p:nvPicPr>
-          <p:cNvPr id="3" name="Picture 2"/>
-          <p:cNvPicPr>
-            <a:picLocks noChangeAspect="1"/>
-          </p:cNvPicPr>
-          <p:nvPr/>
-        </p:nvPicPr>
-        <p:blipFill>
-          <a:blip r:embed="rId2"/>
-          <a:stretch>
-            <a:fillRect/>
-          </a:stretch>
-        </p:blipFill>
-        <p:spPr>
-          <a:xfrm>
-            <a:off x="1797812" y="2233603"/>
-            <a:ext cx="9958845" cy="2769717"/>
-          </a:xfrm>
-          <a:prstGeom prst="rect">
-            <a:avLst/>
-          </a:prstGeom>
-        </p:spPr>
-      </p:pic>
-    </p:spTree>
-    <p:extLst>
-      <p:ext uri="{BB962C8B-B14F-4D97-AF65-F5344CB8AC3E}">
-        <p14:creationId xmlns:p14="http://schemas.microsoft.com/office/powerpoint/2010/main" val="2181073664"/>
-      </p:ext>
-    </p:extLst>
-  </p:cSld>
-  <p:clrMapOvr>
-    <a:masterClrMapping/>
-  </p:clrMapOvr>
-  <p:timing>
-    <p:tnLst>
-      <p:par>
-        <p:cTn id="1" dur="indefinite" restart="never" nodeType="tmRoot"/>
-      </p:par>
-    </p:tnLst>
-  </p:timing>
-</p:sld>
-</file>
-
-<file path=ppt/slides/slide14.xml><?xml version="1.0" encoding="utf-8"?>
-<p:sld xmlns:a="http://schemas.openxmlformats.org/drawingml/2006/main" xmlns:r="http://schemas.openxmlformats.org/officeDocument/2006/relationships" xmlns:p="http://schemas.openxmlformats.org/presentationml/2006/main">
-  <p:cSld>
-    <p:spTree>
-      <p:nvGrpSpPr>
-        <p:cNvPr id="1" name=""/>
-        <p:cNvGrpSpPr/>
-        <p:nvPr/>
-      </p:nvGrpSpPr>
-      <p:grpSpPr>
-        <a:xfrm>
-          <a:off x="0" y="0"/>
-          <a:ext cx="0" cy="0"/>
-          <a:chOff x="0" y="0"/>
-          <a:chExt cx="0" cy="0"/>
-        </a:xfrm>
-      </p:grpSpPr>
-      <p:sp>
-        <p:nvSpPr>
-          <p:cNvPr id="2" name="Title 1"/>
-          <p:cNvSpPr>
-            <a:spLocks noGrp="1"/>
-          </p:cNvSpPr>
-          <p:nvPr>
-            <p:ph type="title"/>
-          </p:nvPr>
-        </p:nvSpPr>
-        <p:spPr>
-          <a:xfrm>
             <a:off x="1484311" y="685801"/>
             <a:ext cx="10018713" cy="1033732"/>
           </a:xfrm>
@@ -9287,11 +7205,7 @@
             </a:r>
             <a:r>
               <a:rPr lang="en-US" dirty="0" smtClean="0"/>
-              <a:t>that the </a:t>
-            </a:r>
-            <a:r>
-              <a:rPr lang="en-US" dirty="0" smtClean="0"/>
-              <a:t>Random Forest model </a:t>
+              <a:t>that the Random Forest model </a:t>
             </a:r>
             <a:r>
               <a:rPr lang="en-US" dirty="0"/>
@@ -9409,7 +7323,7 @@
 </p:sld>
 </file>
 
-<file path=ppt/slides/slide15.xml><?xml version="1.0" encoding="utf-8"?>
+<file path=ppt/slides/slide14.xml><?xml version="1.0" encoding="utf-8"?>
 <p:sld xmlns:a="http://schemas.openxmlformats.org/drawingml/2006/main" xmlns:r="http://schemas.openxmlformats.org/officeDocument/2006/relationships" xmlns:p="http://schemas.openxmlformats.org/presentationml/2006/main">
   <p:cSld>
     <p:spTree>
@@ -10554,15 +8468,7 @@
             </a:r>
             <a:r>
               <a:rPr lang="en-US" sz="2400" dirty="0" smtClean="0"/>
-              <a:t>2/3 and 1/3 </a:t>
-            </a:r>
-            <a:r>
-              <a:rPr lang="en-US" sz="2400" dirty="0" smtClean="0"/>
-              <a:t>proportions</a:t>
-            </a:r>
-            <a:r>
-              <a:rPr lang="en-US" sz="2400" dirty="0" smtClean="0"/>
-              <a:t>.</a:t>
+              <a:t>2/3 and 1/3 proportions.</a:t>
             </a:r>
             <a:endParaRPr lang="en-US" sz="2400" dirty="0"/>
           </a:p>
